--- a/resource/demo.pptx
+++ b/resource/demo.pptx
@@ -6,6 +6,10 @@
   </p:sldMasterIdLst>
   <p:sldIdLst>
     <p:sldId id="256" r:id="rId2"/>
+    <p:sldId id="257" r:id="rId3"/>
+    <p:sldId id="258" r:id="rId4"/>
+    <p:sldId id="259" r:id="rId5"/>
+    <p:sldId id="260" r:id="rId6"/>
   </p:sldIdLst>
   <p:sldSz cx="12192000" cy="6858000"/>
   <p:notesSz cx="6858000" cy="9144000"/>
@@ -104,6 +108,11 @@
       </a:defRPr>
     </a:lvl9pPr>
   </p:defaultTextStyle>
+  <p:extLst>
+    <p:ext uri="{EFAFB233-063F-42B5-8137-9DF3F51BA10A}">
+      <p15:sldGuideLst xmlns:p15="http://schemas.microsoft.com/office/powerpoint/2012/main"/>
+    </p:ext>
+  </p:extLst>
 </p:presentation>
 </file>
 
@@ -2964,6 +2973,36 @@
           <a:chExt cx="0" cy="0"/>
         </a:xfrm>
       </p:grpSpPr>
+      <p:pic>
+        <p:nvPicPr>
+          <p:cNvPr id="8" name="图片 7"/>
+          <p:cNvPicPr>
+            <a:picLocks noChangeAspect="1"/>
+          </p:cNvPicPr>
+          <p:nvPr/>
+        </p:nvPicPr>
+        <p:blipFill>
+          <a:blip r:embed="rId2">
+            <a:extLst>
+              <a:ext uri="{28A0092B-C50C-407E-A947-70E740481C1C}">
+                <a14:useLocalDpi xmlns:a14="http://schemas.microsoft.com/office/drawing/2010/main" val="0"/>
+              </a:ext>
+            </a:extLst>
+          </a:blip>
+          <a:stretch>
+            <a:fillRect/>
+          </a:stretch>
+        </p:blipFill>
+        <p:spPr>
+          <a:xfrm>
+            <a:off x="0" y="-1"/>
+            <a:ext cx="12192000" cy="6858001"/>
+          </a:xfrm>
+          <a:prstGeom prst="rect">
+            <a:avLst/>
+          </a:prstGeom>
+        </p:spPr>
+      </p:pic>
     </p:spTree>
     <p:extLst>
       <p:ext uri="{BB962C8B-B14F-4D97-AF65-F5344CB8AC3E}">
@@ -2974,6 +3013,341 @@
   <p:clrMapOvr>
     <a:masterClrMapping/>
   </p:clrMapOvr>
+  <p:timing>
+    <p:tnLst>
+      <p:par>
+        <p:cTn id="1" dur="indefinite" restart="never" nodeType="tmRoot"/>
+      </p:par>
+    </p:tnLst>
+  </p:timing>
+</p:sld>
+</file>
+
+<file path=ppt/slides/slide2.xml><?xml version="1.0" encoding="utf-8"?>
+<p:sld xmlns:a="http://schemas.openxmlformats.org/drawingml/2006/main" xmlns:r="http://schemas.openxmlformats.org/officeDocument/2006/relationships" xmlns:p="http://schemas.openxmlformats.org/presentationml/2006/main">
+  <p:cSld>
+    <p:spTree>
+      <p:nvGrpSpPr>
+        <p:cNvPr id="1" name=""/>
+        <p:cNvGrpSpPr/>
+        <p:nvPr/>
+      </p:nvGrpSpPr>
+      <p:grpSpPr>
+        <a:xfrm>
+          <a:off x="0" y="0"/>
+          <a:ext cx="0" cy="0"/>
+          <a:chOff x="0" y="0"/>
+          <a:chExt cx="0" cy="0"/>
+        </a:xfrm>
+      </p:grpSpPr>
+      <p:pic>
+        <p:nvPicPr>
+          <p:cNvPr id="7" name="图片 6"/>
+          <p:cNvPicPr>
+            <a:picLocks noChangeAspect="1"/>
+          </p:cNvPicPr>
+          <p:nvPr/>
+        </p:nvPicPr>
+        <p:blipFill>
+          <a:blip r:embed="rId2">
+            <a:extLst>
+              <a:ext uri="{28A0092B-C50C-407E-A947-70E740481C1C}">
+                <a14:useLocalDpi xmlns:a14="http://schemas.microsoft.com/office/drawing/2010/main" val="0"/>
+              </a:ext>
+            </a:extLst>
+          </a:blip>
+          <a:stretch>
+            <a:fillRect/>
+          </a:stretch>
+        </p:blipFill>
+        <p:spPr>
+          <a:xfrm>
+            <a:off x="0" y="-1"/>
+            <a:ext cx="12192000" cy="6858001"/>
+          </a:xfrm>
+          <a:prstGeom prst="rect">
+            <a:avLst/>
+          </a:prstGeom>
+        </p:spPr>
+      </p:pic>
+      <p:pic>
+        <p:nvPicPr>
+          <p:cNvPr id="6" name="图片 5"/>
+          <p:cNvPicPr>
+            <a:picLocks noChangeAspect="1"/>
+          </p:cNvPicPr>
+          <p:nvPr/>
+        </p:nvPicPr>
+        <p:blipFill>
+          <a:blip r:embed="rId3" cstate="print">
+            <a:extLst>
+              <a:ext uri="{28A0092B-C50C-407E-A947-70E740481C1C}">
+                <a14:useLocalDpi xmlns:a14="http://schemas.microsoft.com/office/drawing/2010/main" val="0"/>
+              </a:ext>
+            </a:extLst>
+          </a:blip>
+          <a:stretch>
+            <a:fillRect/>
+          </a:stretch>
+        </p:blipFill>
+        <p:spPr>
+          <a:xfrm>
+            <a:off x="0" y="1486678"/>
+            <a:ext cx="12192000" cy="3884642"/>
+          </a:xfrm>
+          <a:prstGeom prst="rect">
+            <a:avLst/>
+          </a:prstGeom>
+        </p:spPr>
+      </p:pic>
+    </p:spTree>
+    <p:extLst>
+      <p:ext uri="{BB962C8B-B14F-4D97-AF65-F5344CB8AC3E}">
+        <p14:creationId xmlns:p14="http://schemas.microsoft.com/office/powerpoint/2010/main" val="3145221752"/>
+      </p:ext>
+    </p:extLst>
+  </p:cSld>
+  <p:clrMapOvr>
+    <a:masterClrMapping/>
+  </p:clrMapOvr>
+  <p:timing>
+    <p:tnLst>
+      <p:par>
+        <p:cTn id="1" dur="indefinite" restart="never" nodeType="tmRoot"/>
+      </p:par>
+    </p:tnLst>
+  </p:timing>
+</p:sld>
+</file>
+
+<file path=ppt/slides/slide3.xml><?xml version="1.0" encoding="utf-8"?>
+<p:sld xmlns:a="http://schemas.openxmlformats.org/drawingml/2006/main" xmlns:r="http://schemas.openxmlformats.org/officeDocument/2006/relationships" xmlns:p="http://schemas.openxmlformats.org/presentationml/2006/main">
+  <p:cSld>
+    <p:spTree>
+      <p:nvGrpSpPr>
+        <p:cNvPr id="1" name=""/>
+        <p:cNvGrpSpPr/>
+        <p:nvPr/>
+      </p:nvGrpSpPr>
+      <p:grpSpPr>
+        <a:xfrm>
+          <a:off x="0" y="0"/>
+          <a:ext cx="0" cy="0"/>
+          <a:chOff x="0" y="0"/>
+          <a:chExt cx="0" cy="0"/>
+        </a:xfrm>
+      </p:grpSpPr>
+      <p:pic>
+        <p:nvPicPr>
+          <p:cNvPr id="4" name="图片 3"/>
+          <p:cNvPicPr>
+            <a:picLocks noChangeAspect="1"/>
+          </p:cNvPicPr>
+          <p:nvPr/>
+        </p:nvPicPr>
+        <p:blipFill>
+          <a:blip r:embed="rId2">
+            <a:extLst>
+              <a:ext uri="{28A0092B-C50C-407E-A947-70E740481C1C}">
+                <a14:useLocalDpi xmlns:a14="http://schemas.microsoft.com/office/drawing/2010/main" val="0"/>
+              </a:ext>
+            </a:extLst>
+          </a:blip>
+          <a:stretch>
+            <a:fillRect/>
+          </a:stretch>
+        </p:blipFill>
+        <p:spPr>
+          <a:xfrm>
+            <a:off x="0" y="-1"/>
+            <a:ext cx="12192000" cy="6858001"/>
+          </a:xfrm>
+          <a:prstGeom prst="rect">
+            <a:avLst/>
+          </a:prstGeom>
+        </p:spPr>
+      </p:pic>
+    </p:spTree>
+    <p:extLst>
+      <p:ext uri="{BB962C8B-B14F-4D97-AF65-F5344CB8AC3E}">
+        <p14:creationId xmlns:p14="http://schemas.microsoft.com/office/powerpoint/2010/main" val="2797880283"/>
+      </p:ext>
+    </p:extLst>
+  </p:cSld>
+  <p:clrMapOvr>
+    <a:masterClrMapping/>
+  </p:clrMapOvr>
+  <p:timing>
+    <p:tnLst>
+      <p:par>
+        <p:cTn id="1" dur="indefinite" restart="never" nodeType="tmRoot"/>
+      </p:par>
+    </p:tnLst>
+  </p:timing>
+</p:sld>
+</file>
+
+<file path=ppt/slides/slide4.xml><?xml version="1.0" encoding="utf-8"?>
+<p:sld xmlns:a="http://schemas.openxmlformats.org/drawingml/2006/main" xmlns:r="http://schemas.openxmlformats.org/officeDocument/2006/relationships" xmlns:p="http://schemas.openxmlformats.org/presentationml/2006/main">
+  <p:cSld>
+    <p:spTree>
+      <p:nvGrpSpPr>
+        <p:cNvPr id="1" name=""/>
+        <p:cNvGrpSpPr/>
+        <p:nvPr/>
+      </p:nvGrpSpPr>
+      <p:grpSpPr>
+        <a:xfrm>
+          <a:off x="0" y="0"/>
+          <a:ext cx="0" cy="0"/>
+          <a:chOff x="0" y="0"/>
+          <a:chExt cx="0" cy="0"/>
+        </a:xfrm>
+      </p:grpSpPr>
+      <p:pic>
+        <p:nvPicPr>
+          <p:cNvPr id="4" name="图片 3"/>
+          <p:cNvPicPr>
+            <a:picLocks noChangeAspect="1"/>
+          </p:cNvPicPr>
+          <p:nvPr/>
+        </p:nvPicPr>
+        <p:blipFill>
+          <a:blip r:embed="rId2">
+            <a:extLst>
+              <a:ext uri="{28A0092B-C50C-407E-A947-70E740481C1C}">
+                <a14:useLocalDpi xmlns:a14="http://schemas.microsoft.com/office/drawing/2010/main" val="0"/>
+              </a:ext>
+            </a:extLst>
+          </a:blip>
+          <a:stretch>
+            <a:fillRect/>
+          </a:stretch>
+        </p:blipFill>
+        <p:spPr>
+          <a:xfrm>
+            <a:off x="0" y="-1"/>
+            <a:ext cx="12192000" cy="6858001"/>
+          </a:xfrm>
+          <a:prstGeom prst="rect">
+            <a:avLst/>
+          </a:prstGeom>
+        </p:spPr>
+      </p:pic>
+    </p:spTree>
+    <p:extLst>
+      <p:ext uri="{BB962C8B-B14F-4D97-AF65-F5344CB8AC3E}">
+        <p14:creationId xmlns:p14="http://schemas.microsoft.com/office/powerpoint/2010/main" val="4274295502"/>
+      </p:ext>
+    </p:extLst>
+  </p:cSld>
+  <p:clrMapOvr>
+    <a:masterClrMapping/>
+  </p:clrMapOvr>
+  <p:timing>
+    <p:tnLst>
+      <p:par>
+        <p:cTn id="1" dur="indefinite" restart="never" nodeType="tmRoot"/>
+      </p:par>
+    </p:tnLst>
+  </p:timing>
+</p:sld>
+</file>
+
+<file path=ppt/slides/slide5.xml><?xml version="1.0" encoding="utf-8"?>
+<p:sld xmlns:a="http://schemas.openxmlformats.org/drawingml/2006/main" xmlns:r="http://schemas.openxmlformats.org/officeDocument/2006/relationships" xmlns:p="http://schemas.openxmlformats.org/presentationml/2006/main">
+  <p:cSld>
+    <p:spTree>
+      <p:nvGrpSpPr>
+        <p:cNvPr id="1" name=""/>
+        <p:cNvGrpSpPr/>
+        <p:nvPr/>
+      </p:nvGrpSpPr>
+      <p:grpSpPr>
+        <a:xfrm>
+          <a:off x="0" y="0"/>
+          <a:ext cx="0" cy="0"/>
+          <a:chOff x="0" y="0"/>
+          <a:chExt cx="0" cy="0"/>
+        </a:xfrm>
+      </p:grpSpPr>
+      <p:pic>
+        <p:nvPicPr>
+          <p:cNvPr id="4" name="图片 3"/>
+          <p:cNvPicPr>
+            <a:picLocks noChangeAspect="1"/>
+          </p:cNvPicPr>
+          <p:nvPr/>
+        </p:nvPicPr>
+        <p:blipFill>
+          <a:blip r:embed="rId2">
+            <a:extLst>
+              <a:ext uri="{28A0092B-C50C-407E-A947-70E740481C1C}">
+                <a14:useLocalDpi xmlns:a14="http://schemas.microsoft.com/office/drawing/2010/main" val="0"/>
+              </a:ext>
+            </a:extLst>
+          </a:blip>
+          <a:stretch>
+            <a:fillRect/>
+          </a:stretch>
+        </p:blipFill>
+        <p:spPr>
+          <a:xfrm>
+            <a:off x="-1" y="0"/>
+            <a:ext cx="12191999" cy="6858000"/>
+          </a:xfrm>
+          <a:prstGeom prst="rect">
+            <a:avLst/>
+          </a:prstGeom>
+        </p:spPr>
+      </p:pic>
+      <p:pic>
+        <p:nvPicPr>
+          <p:cNvPr id="5" name="图片 4"/>
+          <p:cNvPicPr>
+            <a:picLocks noChangeAspect="1"/>
+          </p:cNvPicPr>
+          <p:nvPr/>
+        </p:nvPicPr>
+        <p:blipFill>
+          <a:blip r:embed="rId3" cstate="print">
+            <a:extLst>
+              <a:ext uri="{28A0092B-C50C-407E-A947-70E740481C1C}">
+                <a14:useLocalDpi xmlns:a14="http://schemas.microsoft.com/office/drawing/2010/main" val="0"/>
+              </a:ext>
+            </a:extLst>
+          </a:blip>
+          <a:stretch>
+            <a:fillRect/>
+          </a:stretch>
+        </p:blipFill>
+        <p:spPr>
+          <a:xfrm>
+            <a:off x="0" y="1486679"/>
+            <a:ext cx="12192000" cy="3884642"/>
+          </a:xfrm>
+          <a:prstGeom prst="rect">
+            <a:avLst/>
+          </a:prstGeom>
+        </p:spPr>
+      </p:pic>
+    </p:spTree>
+    <p:extLst>
+      <p:ext uri="{BB962C8B-B14F-4D97-AF65-F5344CB8AC3E}">
+        <p14:creationId xmlns:p14="http://schemas.microsoft.com/office/powerpoint/2010/main" val="3566479957"/>
+      </p:ext>
+    </p:extLst>
+  </p:cSld>
+  <p:clrMapOvr>
+    <a:masterClrMapping/>
+  </p:clrMapOvr>
+  <p:timing>
+    <p:tnLst>
+      <p:par>
+        <p:cTn id="1" dur="indefinite" restart="never" nodeType="tmRoot"/>
+      </p:par>
+    </p:tnLst>
+  </p:timing>
 </p:sld>
 </file>
 

--- a/resource/demo.pptx
+++ b/resource/demo.pptx
@@ -6,10 +6,13 @@
   </p:sldMasterIdLst>
   <p:sldIdLst>
     <p:sldId id="256" r:id="rId2"/>
-    <p:sldId id="257" r:id="rId3"/>
-    <p:sldId id="258" r:id="rId4"/>
-    <p:sldId id="259" r:id="rId5"/>
-    <p:sldId id="260" r:id="rId6"/>
+    <p:sldId id="261" r:id="rId3"/>
+    <p:sldId id="257" r:id="rId4"/>
+    <p:sldId id="258" r:id="rId5"/>
+    <p:sldId id="259" r:id="rId6"/>
+    <p:sldId id="260" r:id="rId7"/>
+    <p:sldId id="262" r:id="rId8"/>
+    <p:sldId id="263" r:id="rId9"/>
   </p:sldIdLst>
   <p:sldSz cx="12192000" cy="6858000"/>
   <p:notesSz cx="6858000" cy="9144000"/>
@@ -3040,6 +3043,224 @@
           <a:chExt cx="0" cy="0"/>
         </a:xfrm>
       </p:grpSpPr>
+      <p:sp>
+        <p:nvSpPr>
+          <p:cNvPr id="2" name="标题 1"/>
+          <p:cNvSpPr>
+            <a:spLocks noGrp="1"/>
+          </p:cNvSpPr>
+          <p:nvPr>
+            <p:ph type="title"/>
+          </p:nvPr>
+        </p:nvSpPr>
+        <p:spPr/>
+        <p:txBody>
+          <a:bodyPr/>
+          <a:lstStyle/>
+          <a:p>
+            <a:r>
+              <a:rPr lang="zh-CN" altLang="zh-CN" dirty="0"/>
+              <a:t>游戏内容</a:t>
+            </a:r>
+            <a:endParaRPr lang="zh-CN" altLang="en-US" dirty="0"/>
+          </a:p>
+        </p:txBody>
+      </p:sp>
+      <p:sp>
+        <p:nvSpPr>
+          <p:cNvPr id="3" name="内容占位符 2"/>
+          <p:cNvSpPr>
+            <a:spLocks noGrp="1"/>
+          </p:cNvSpPr>
+          <p:nvPr>
+            <p:ph idx="1"/>
+          </p:nvPr>
+        </p:nvSpPr>
+        <p:spPr/>
+        <p:txBody>
+          <a:bodyPr/>
+          <a:lstStyle/>
+          <a:p>
+            <a:r>
+              <a:rPr lang="zh-CN" altLang="zh-CN" dirty="0"/>
+              <a:t>每关给出用户需要完成的问题、可用的组件、预置的电路接</a:t>
+            </a:r>
+            <a:r>
+              <a:rPr lang="zh-CN" altLang="zh-CN" dirty="0" smtClean="0"/>
+              <a:t>口</a:t>
+            </a:r>
+            <a:endParaRPr lang="en-US" altLang="zh-CN" dirty="0" smtClean="0"/>
+          </a:p>
+          <a:p>
+            <a:r>
+              <a:rPr lang="zh-CN" altLang="zh-CN" dirty="0"/>
+              <a:t>根据问题，在设计器中设计所需的组合电路或时序电</a:t>
+            </a:r>
+            <a:r>
+              <a:rPr lang="zh-CN" altLang="zh-CN" dirty="0" smtClean="0"/>
+              <a:t>路</a:t>
+            </a:r>
+            <a:endParaRPr lang="en-US" altLang="zh-CN" dirty="0" smtClean="0"/>
+          </a:p>
+          <a:p>
+            <a:r>
+              <a:rPr lang="zh-CN" altLang="zh-CN" dirty="0"/>
+              <a:t>提交设计好的电路，进</a:t>
+            </a:r>
+            <a:r>
+              <a:rPr lang="zh-CN" altLang="zh-CN" dirty="0" smtClean="0"/>
+              <a:t>行</a:t>
+            </a:r>
+            <a:r>
+              <a:rPr lang="zh-CN" altLang="zh-CN" dirty="0"/>
+              <a:t>本</a:t>
+            </a:r>
+            <a:r>
+              <a:rPr lang="zh-CN" altLang="zh-CN" dirty="0" smtClean="0"/>
+              <a:t>地评测</a:t>
+            </a:r>
+            <a:endParaRPr lang="en-US" altLang="zh-CN" dirty="0" smtClean="0"/>
+          </a:p>
+          <a:p>
+            <a:r>
+              <a:rPr lang="zh-CN" altLang="zh-CN" dirty="0"/>
+              <a:t>评测时给定一系列输入，观察结果是否正</a:t>
+            </a:r>
+            <a:r>
+              <a:rPr lang="zh-CN" altLang="zh-CN" dirty="0" smtClean="0"/>
+              <a:t>确</a:t>
+            </a:r>
+            <a:endParaRPr lang="en-US" altLang="zh-CN" dirty="0" smtClean="0"/>
+          </a:p>
+          <a:p>
+            <a:r>
+              <a:rPr lang="zh-CN" altLang="zh-CN" dirty="0" smtClean="0"/>
+              <a:t>如</a:t>
+            </a:r>
+            <a:r>
+              <a:rPr lang="zh-CN" altLang="zh-CN" dirty="0"/>
+              <a:t>果正确</a:t>
+            </a:r>
+            <a:r>
+              <a:rPr lang="zh-CN" altLang="zh-CN" dirty="0" smtClean="0"/>
+              <a:t>，</a:t>
+            </a:r>
+            <a:r>
+              <a:rPr lang="zh-CN" altLang="en-US" dirty="0" smtClean="0"/>
+              <a:t>按</a:t>
+            </a:r>
+            <a:r>
+              <a:rPr lang="zh-CN" altLang="zh-CN" dirty="0" smtClean="0"/>
+              <a:t>成本</a:t>
+            </a:r>
+            <a:r>
+              <a:rPr lang="zh-CN" altLang="en-US" dirty="0" smtClean="0"/>
+              <a:t>高低授予星星，并进行排名</a:t>
+            </a:r>
+            <a:endParaRPr lang="en-US" altLang="zh-CN" dirty="0" smtClean="0"/>
+          </a:p>
+          <a:p>
+            <a:r>
+              <a:rPr lang="zh-CN" altLang="zh-CN" dirty="0">
+                <a:solidFill>
+                  <a:srgbClr val="FF0000"/>
+                </a:solidFill>
+              </a:rPr>
+              <a:t>每通过一关，用户可解锁本关设计的组件，在后续关卡使</a:t>
+            </a:r>
+            <a:r>
+              <a:rPr lang="zh-CN" altLang="zh-CN" dirty="0" smtClean="0">
+                <a:solidFill>
+                  <a:srgbClr val="FF0000"/>
+                </a:solidFill>
+              </a:rPr>
+              <a:t>用</a:t>
+            </a:r>
+            <a:endParaRPr lang="en-US" altLang="zh-CN" dirty="0" smtClean="0">
+              <a:solidFill>
+                <a:srgbClr val="FF0000"/>
+              </a:solidFill>
+            </a:endParaRPr>
+          </a:p>
+          <a:p>
+            <a:r>
+              <a:rPr lang="zh-CN" altLang="zh-CN" dirty="0" smtClean="0">
+                <a:solidFill>
+                  <a:srgbClr val="FF0000"/>
+                </a:solidFill>
+              </a:rPr>
+              <a:t>解</a:t>
+            </a:r>
+            <a:r>
+              <a:rPr lang="zh-CN" altLang="zh-CN" dirty="0">
+                <a:solidFill>
+                  <a:srgbClr val="FF0000"/>
+                </a:solidFill>
+              </a:rPr>
+              <a:t>锁的组件使用标准的组件逻辑，但使用用户设计</a:t>
+            </a:r>
+            <a:r>
+              <a:rPr lang="zh-CN" altLang="zh-CN" dirty="0" smtClean="0">
+                <a:solidFill>
+                  <a:srgbClr val="FF0000"/>
+                </a:solidFill>
+              </a:rPr>
+              <a:t>的</a:t>
+            </a:r>
+            <a:r>
+              <a:rPr lang="zh-CN" altLang="en-US" dirty="0">
+                <a:solidFill>
+                  <a:srgbClr val="FF0000"/>
+                </a:solidFill>
+              </a:rPr>
+              <a:t>成</a:t>
+            </a:r>
+            <a:r>
+              <a:rPr lang="zh-CN" altLang="en-US" dirty="0" smtClean="0">
+                <a:solidFill>
+                  <a:srgbClr val="FF0000"/>
+                </a:solidFill>
+              </a:rPr>
+              <a:t>本</a:t>
+            </a:r>
+            <a:endParaRPr lang="en-US" altLang="zh-CN" dirty="0" smtClean="0">
+              <a:solidFill>
+                <a:srgbClr val="FF0000"/>
+              </a:solidFill>
+            </a:endParaRPr>
+          </a:p>
+        </p:txBody>
+      </p:sp>
+    </p:spTree>
+    <p:extLst>
+      <p:ext uri="{BB962C8B-B14F-4D97-AF65-F5344CB8AC3E}">
+        <p14:creationId xmlns:p14="http://schemas.microsoft.com/office/powerpoint/2010/main" val="1942352719"/>
+      </p:ext>
+    </p:extLst>
+  </p:cSld>
+  <p:clrMapOvr>
+    <a:masterClrMapping/>
+  </p:clrMapOvr>
+</p:sld>
+</file>
+
+<file path=ppt/slides/slide3.xml><?xml version="1.0" encoding="utf-8"?>
+<p:sld xmlns:a="http://schemas.openxmlformats.org/drawingml/2006/main" xmlns:r="http://schemas.openxmlformats.org/officeDocument/2006/relationships" xmlns:p="http://schemas.openxmlformats.org/presentationml/2006/main">
+  <p:cSld>
+    <p:spTree>
+      <p:nvGrpSpPr>
+        <p:cNvPr id="1" name=""/>
+        <p:cNvGrpSpPr/>
+        <p:nvPr/>
+      </p:nvGrpSpPr>
+      <p:grpSpPr>
+        <a:xfrm>
+          <a:off x="0" y="0"/>
+          <a:ext cx="0" cy="0"/>
+          <a:chOff x="0" y="0"/>
+          <a:chExt cx="0" cy="0"/>
+        </a:xfrm>
+      </p:grpSpPr>
       <p:pic>
         <p:nvPicPr>
           <p:cNvPr id="7" name="图片 6"/>
@@ -3120,7 +3341,7 @@
 </p:sld>
 </file>
 
-<file path=ppt/slides/slide3.xml><?xml version="1.0" encoding="utf-8"?>
+<file path=ppt/slides/slide4.xml><?xml version="1.0" encoding="utf-8"?>
 <p:sld xmlns:a="http://schemas.openxmlformats.org/drawingml/2006/main" xmlns:r="http://schemas.openxmlformats.org/officeDocument/2006/relationships" xmlns:p="http://schemas.openxmlformats.org/presentationml/2006/main">
   <p:cSld>
     <p:spTree>
@@ -3187,7 +3408,7 @@
 </p:sld>
 </file>
 
-<file path=ppt/slides/slide4.xml><?xml version="1.0" encoding="utf-8"?>
+<file path=ppt/slides/slide5.xml><?xml version="1.0" encoding="utf-8"?>
 <p:sld xmlns:a="http://schemas.openxmlformats.org/drawingml/2006/main" xmlns:r="http://schemas.openxmlformats.org/officeDocument/2006/relationships" xmlns:p="http://schemas.openxmlformats.org/presentationml/2006/main">
   <p:cSld>
     <p:spTree>
@@ -3254,7 +3475,7 @@
 </p:sld>
 </file>
 
-<file path=ppt/slides/slide5.xml><?xml version="1.0" encoding="utf-8"?>
+<file path=ppt/slides/slide6.xml><?xml version="1.0" encoding="utf-8"?>
 <p:sld xmlns:a="http://schemas.openxmlformats.org/drawingml/2006/main" xmlns:r="http://schemas.openxmlformats.org/officeDocument/2006/relationships" xmlns:p="http://schemas.openxmlformats.org/presentationml/2006/main">
   <p:cSld>
     <p:spTree>
@@ -3348,6 +3569,913 @@
       </p:par>
     </p:tnLst>
   </p:timing>
+</p:sld>
+</file>
+
+<file path=ppt/slides/slide7.xml><?xml version="1.0" encoding="utf-8"?>
+<p:sld xmlns:a="http://schemas.openxmlformats.org/drawingml/2006/main" xmlns:r="http://schemas.openxmlformats.org/officeDocument/2006/relationships" xmlns:p="http://schemas.openxmlformats.org/presentationml/2006/main">
+  <p:cSld>
+    <p:spTree>
+      <p:nvGrpSpPr>
+        <p:cNvPr id="1" name=""/>
+        <p:cNvGrpSpPr/>
+        <p:nvPr/>
+      </p:nvGrpSpPr>
+      <p:grpSpPr>
+        <a:xfrm>
+          <a:off x="0" y="0"/>
+          <a:ext cx="0" cy="0"/>
+          <a:chOff x="0" y="0"/>
+          <a:chExt cx="0" cy="0"/>
+        </a:xfrm>
+      </p:grpSpPr>
+      <p:sp>
+        <p:nvSpPr>
+          <p:cNvPr id="2" name="标题 1"/>
+          <p:cNvSpPr>
+            <a:spLocks noGrp="1"/>
+          </p:cNvSpPr>
+          <p:nvPr>
+            <p:ph type="title"/>
+          </p:nvPr>
+        </p:nvSpPr>
+        <p:spPr/>
+        <p:txBody>
+          <a:bodyPr/>
+          <a:lstStyle/>
+          <a:p>
+            <a:r>
+              <a:rPr lang="zh-CN" altLang="en-US" dirty="0" smtClean="0"/>
+              <a:t>关卡设计</a:t>
+            </a:r>
+            <a:endParaRPr lang="zh-CN" altLang="en-US" dirty="0"/>
+          </a:p>
+        </p:txBody>
+      </p:sp>
+      <p:sp>
+        <p:nvSpPr>
+          <p:cNvPr id="3" name="内容占位符 2"/>
+          <p:cNvSpPr>
+            <a:spLocks noGrp="1"/>
+          </p:cNvSpPr>
+          <p:nvPr>
+            <p:ph idx="1"/>
+          </p:nvPr>
+        </p:nvSpPr>
+        <p:spPr/>
+        <p:txBody>
+          <a:bodyPr/>
+          <a:lstStyle/>
+          <a:p>
+            <a:r>
+              <a:rPr lang="zh-CN" altLang="en-US" dirty="0" smtClean="0"/>
+              <a:t>分三个大关</a:t>
+            </a:r>
+            <a:endParaRPr lang="en-US" altLang="zh-CN" dirty="0" smtClean="0"/>
+          </a:p>
+          <a:p>
+            <a:r>
+              <a:rPr lang="zh-CN" altLang="en-US" dirty="0"/>
+              <a:t>第</a:t>
+            </a:r>
+            <a:r>
+              <a:rPr lang="zh-CN" altLang="en-US" dirty="0" smtClean="0"/>
+              <a:t>一大关用户初始获得一个非门和一个或门，解决一系列组合电路问题</a:t>
+            </a:r>
+            <a:endParaRPr lang="en-US" altLang="zh-CN" dirty="0" smtClean="0"/>
+          </a:p>
+          <a:p>
+            <a:r>
+              <a:rPr lang="zh-CN" altLang="en-US" dirty="0"/>
+              <a:t>第</a:t>
+            </a:r>
+            <a:r>
+              <a:rPr lang="zh-CN" altLang="en-US" dirty="0" smtClean="0"/>
+              <a:t>二大关用户获得一个始终，解决一系列时序电路问题</a:t>
+            </a:r>
+            <a:endParaRPr lang="en-US" altLang="zh-CN" dirty="0" smtClean="0"/>
+          </a:p>
+          <a:p>
+            <a:r>
+              <a:rPr lang="zh-CN" altLang="en-US" dirty="0"/>
+              <a:t>第</a:t>
+            </a:r>
+            <a:r>
+              <a:rPr lang="zh-CN" altLang="en-US" dirty="0" smtClean="0"/>
+              <a:t>三大关用户可以使用总线，解决一些更复杂的问题</a:t>
+            </a:r>
+            <a:endParaRPr lang="zh-CN" altLang="en-US" dirty="0"/>
+          </a:p>
+        </p:txBody>
+      </p:sp>
+    </p:spTree>
+    <p:extLst>
+      <p:ext uri="{BB962C8B-B14F-4D97-AF65-F5344CB8AC3E}">
+        <p14:creationId xmlns:p14="http://schemas.microsoft.com/office/powerpoint/2010/main" val="1024752865"/>
+      </p:ext>
+    </p:extLst>
+  </p:cSld>
+  <p:clrMapOvr>
+    <a:masterClrMapping/>
+  </p:clrMapOvr>
+</p:sld>
+</file>
+
+<file path=ppt/slides/slide8.xml><?xml version="1.0" encoding="utf-8"?>
+<p:sld xmlns:a="http://schemas.openxmlformats.org/drawingml/2006/main" xmlns:r="http://schemas.openxmlformats.org/officeDocument/2006/relationships" xmlns:p="http://schemas.openxmlformats.org/presentationml/2006/main">
+  <p:cSld>
+    <p:spTree>
+      <p:nvGrpSpPr>
+        <p:cNvPr id="1" name=""/>
+        <p:cNvGrpSpPr/>
+        <p:nvPr/>
+      </p:nvGrpSpPr>
+      <p:grpSpPr>
+        <a:xfrm>
+          <a:off x="0" y="0"/>
+          <a:ext cx="0" cy="0"/>
+          <a:chOff x="0" y="0"/>
+          <a:chExt cx="0" cy="0"/>
+        </a:xfrm>
+      </p:grpSpPr>
+      <p:sp>
+        <p:nvSpPr>
+          <p:cNvPr id="19" name="文本框 18"/>
+          <p:cNvSpPr txBox="1"/>
+          <p:nvPr/>
+        </p:nvSpPr>
+        <p:spPr>
+          <a:xfrm>
+            <a:off x="1376218" y="1662545"/>
+            <a:ext cx="8811491" cy="800219"/>
+          </a:xfrm>
+          <a:prstGeom prst="rect">
+            <a:avLst/>
+          </a:prstGeom>
+          <a:noFill/>
+        </p:spPr>
+        <p:txBody>
+          <a:bodyPr wrap="square" rtlCol="0">
+            <a:spAutoFit/>
+          </a:bodyPr>
+          <a:lstStyle/>
+          <a:p>
+            <a:r>
+              <a:rPr lang="zh-CN" altLang="zh-CN" sz="2800" dirty="0"/>
+              <a:t>小组名称：</a:t>
+            </a:r>
+            <a:r>
+              <a:rPr lang="en-US" altLang="zh-CN" sz="2800" dirty="0"/>
+              <a:t>FvZm5l9yT2y6RThBFi3U</a:t>
+            </a:r>
+            <a:endParaRPr lang="zh-CN" altLang="zh-CN" sz="2800" dirty="0"/>
+          </a:p>
+          <a:p>
+            <a:endParaRPr lang="zh-CN" altLang="en-US" dirty="0"/>
+          </a:p>
+        </p:txBody>
+      </p:sp>
+      <p:graphicFrame>
+        <p:nvGraphicFramePr>
+          <p:cNvPr id="24" name="表格 23"/>
+          <p:cNvGraphicFramePr>
+            <a:graphicFrameLocks noGrp="1"/>
+          </p:cNvGraphicFramePr>
+          <p:nvPr>
+            <p:extLst>
+              <p:ext uri="{D42A27DB-BD31-4B8C-83A1-F6EECF244321}">
+                <p14:modId xmlns:p14="http://schemas.microsoft.com/office/powerpoint/2010/main" val="1688225769"/>
+              </p:ext>
+            </p:extLst>
+          </p:nvPr>
+        </p:nvGraphicFramePr>
+        <p:xfrm>
+          <a:off x="1376218" y="2752219"/>
+          <a:ext cx="9617011" cy="2337016"/>
+        </p:xfrm>
+        <a:graphic>
+          <a:graphicData uri="http://schemas.openxmlformats.org/drawingml/2006/table">
+            <a:tbl>
+              <a:tblPr firstRow="1" firstCol="1" bandRow="1">
+                <a:tableStyleId>{5C22544A-7EE6-4342-B048-85BDC9FD1C3A}</a:tableStyleId>
+              </a:tblPr>
+              <a:tblGrid>
+                <a:gridCol w="3205284">
+                  <a:extLst>
+                    <a:ext uri="{9D8B030D-6E8A-4147-A177-3AD203B41FA5}">
+                      <a16:colId xmlns:a16="http://schemas.microsoft.com/office/drawing/2014/main" val="3716374959"/>
+                    </a:ext>
+                  </a:extLst>
+                </a:gridCol>
+                <a:gridCol w="3205284">
+                  <a:extLst>
+                    <a:ext uri="{9D8B030D-6E8A-4147-A177-3AD203B41FA5}">
+                      <a16:colId xmlns:a16="http://schemas.microsoft.com/office/drawing/2014/main" val="1450753657"/>
+                    </a:ext>
+                  </a:extLst>
+                </a:gridCol>
+                <a:gridCol w="3206443">
+                  <a:extLst>
+                    <a:ext uri="{9D8B030D-6E8A-4147-A177-3AD203B41FA5}">
+                      <a16:colId xmlns:a16="http://schemas.microsoft.com/office/drawing/2014/main" val="880780956"/>
+                    </a:ext>
+                  </a:extLst>
+                </a:gridCol>
+              </a:tblGrid>
+              <a:tr h="292127">
+                <a:tc>
+                  <a:txBody>
+                    <a:bodyPr/>
+                    <a:lstStyle/>
+                    <a:p>
+                      <a:pPr algn="just">
+                        <a:spcAft>
+                          <a:spcPts val="0"/>
+                        </a:spcAft>
+                      </a:pPr>
+                      <a:r>
+                        <a:rPr lang="zh-CN" sz="1900" kern="100">
+                          <a:effectLst/>
+                        </a:rPr>
+                        <a:t>姓名</a:t>
+                      </a:r>
+                      <a:endParaRPr lang="zh-CN" sz="1900" kern="100">
+                        <a:effectLst/>
+                        <a:latin typeface="等线" panose="02010600030101010101" pitchFamily="2" charset="-122"/>
+                        <a:ea typeface="等线" panose="02010600030101010101" pitchFamily="2" charset="-122"/>
+                        <a:cs typeface="Mangal"/>
+                      </a:endParaRPr>
+                    </a:p>
+                  </a:txBody>
+                  <a:tcPr marL="125197" marR="125197" marT="0" marB="0"/>
+                </a:tc>
+                <a:tc>
+                  <a:txBody>
+                    <a:bodyPr/>
+                    <a:lstStyle/>
+                    <a:p>
+                      <a:pPr algn="just">
+                        <a:spcAft>
+                          <a:spcPts val="0"/>
+                        </a:spcAft>
+                      </a:pPr>
+                      <a:r>
+                        <a:rPr lang="zh-CN" sz="1900" kern="100">
+                          <a:effectLst/>
+                        </a:rPr>
+                        <a:t>学号</a:t>
+                      </a:r>
+                      <a:endParaRPr lang="zh-CN" sz="1900" kern="100">
+                        <a:effectLst/>
+                        <a:latin typeface="等线" panose="02010600030101010101" pitchFamily="2" charset="-122"/>
+                        <a:ea typeface="等线" panose="02010600030101010101" pitchFamily="2" charset="-122"/>
+                        <a:cs typeface="Mangal"/>
+                      </a:endParaRPr>
+                    </a:p>
+                  </a:txBody>
+                  <a:tcPr marL="125197" marR="125197" marT="0" marB="0"/>
+                </a:tc>
+                <a:tc>
+                  <a:txBody>
+                    <a:bodyPr/>
+                    <a:lstStyle/>
+                    <a:p>
+                      <a:pPr algn="just">
+                        <a:spcAft>
+                          <a:spcPts val="0"/>
+                        </a:spcAft>
+                      </a:pPr>
+                      <a:r>
+                        <a:rPr lang="zh-CN" sz="1900" kern="100">
+                          <a:effectLst/>
+                        </a:rPr>
+                        <a:t>职务</a:t>
+                      </a:r>
+                      <a:endParaRPr lang="zh-CN" sz="1900" kern="100">
+                        <a:effectLst/>
+                        <a:latin typeface="等线" panose="02010600030101010101" pitchFamily="2" charset="-122"/>
+                        <a:ea typeface="等线" panose="02010600030101010101" pitchFamily="2" charset="-122"/>
+                        <a:cs typeface="Mangal"/>
+                      </a:endParaRPr>
+                    </a:p>
+                  </a:txBody>
+                  <a:tcPr marL="125197" marR="125197" marT="0" marB="0"/>
+                </a:tc>
+                <a:extLst>
+                  <a:ext uri="{0D108BD9-81ED-4DB2-BD59-A6C34878D82A}">
+                    <a16:rowId xmlns:a16="http://schemas.microsoft.com/office/drawing/2014/main" val="499884428"/>
+                  </a:ext>
+                </a:extLst>
+              </a:tr>
+              <a:tr h="292127">
+                <a:tc>
+                  <a:txBody>
+                    <a:bodyPr/>
+                    <a:lstStyle/>
+                    <a:p>
+                      <a:pPr algn="just">
+                        <a:spcAft>
+                          <a:spcPts val="0"/>
+                        </a:spcAft>
+                      </a:pPr>
+                      <a:r>
+                        <a:rPr lang="zh-CN" sz="1900" kern="100" dirty="0">
+                          <a:effectLst/>
+                        </a:rPr>
+                        <a:t>白帆</a:t>
+                      </a:r>
+                      <a:endParaRPr lang="zh-CN" sz="1900" kern="100" dirty="0">
+                        <a:effectLst/>
+                        <a:latin typeface="等线" panose="02010600030101010101" pitchFamily="2" charset="-122"/>
+                        <a:ea typeface="等线" panose="02010600030101010101" pitchFamily="2" charset="-122"/>
+                        <a:cs typeface="Mangal"/>
+                      </a:endParaRPr>
+                    </a:p>
+                  </a:txBody>
+                  <a:tcPr marL="125197" marR="125197" marT="0" marB="0"/>
+                </a:tc>
+                <a:tc>
+                  <a:txBody>
+                    <a:bodyPr/>
+                    <a:lstStyle/>
+                    <a:p>
+                      <a:pPr algn="just">
+                        <a:spcAft>
+                          <a:spcPts val="0"/>
+                        </a:spcAft>
+                      </a:pPr>
+                      <a:r>
+                        <a:rPr lang="en-US" sz="1900" kern="100" dirty="0">
+                          <a:effectLst/>
+                        </a:rPr>
+                        <a:t>13307130269</a:t>
+                      </a:r>
+                      <a:endParaRPr lang="zh-CN" sz="1900" kern="100" dirty="0">
+                        <a:effectLst/>
+                        <a:latin typeface="等线" panose="02010600030101010101" pitchFamily="2" charset="-122"/>
+                        <a:ea typeface="等线" panose="02010600030101010101" pitchFamily="2" charset="-122"/>
+                        <a:cs typeface="Mangal"/>
+                      </a:endParaRPr>
+                    </a:p>
+                  </a:txBody>
+                  <a:tcPr marL="125197" marR="125197" marT="0" marB="0"/>
+                </a:tc>
+                <a:tc>
+                  <a:txBody>
+                    <a:bodyPr/>
+                    <a:lstStyle/>
+                    <a:p>
+                      <a:pPr algn="just">
+                        <a:spcAft>
+                          <a:spcPts val="0"/>
+                        </a:spcAft>
+                      </a:pPr>
+                      <a:r>
+                        <a:rPr lang="zh-CN" sz="1900" kern="100">
+                          <a:effectLst/>
+                        </a:rPr>
+                        <a:t>车长</a:t>
+                      </a:r>
+                      <a:endParaRPr lang="zh-CN" sz="1900" kern="100">
+                        <a:effectLst/>
+                        <a:latin typeface="等线" panose="02010600030101010101" pitchFamily="2" charset="-122"/>
+                        <a:ea typeface="等线" panose="02010600030101010101" pitchFamily="2" charset="-122"/>
+                        <a:cs typeface="Mangal"/>
+                      </a:endParaRPr>
+                    </a:p>
+                  </a:txBody>
+                  <a:tcPr marL="125197" marR="125197" marT="0" marB="0"/>
+                </a:tc>
+                <a:extLst>
+                  <a:ext uri="{0D108BD9-81ED-4DB2-BD59-A6C34878D82A}">
+                    <a16:rowId xmlns:a16="http://schemas.microsoft.com/office/drawing/2014/main" val="1249527866"/>
+                  </a:ext>
+                </a:extLst>
+              </a:tr>
+              <a:tr h="292127">
+                <a:tc>
+                  <a:txBody>
+                    <a:bodyPr/>
+                    <a:lstStyle/>
+                    <a:p>
+                      <a:pPr algn="just">
+                        <a:spcAft>
+                          <a:spcPts val="0"/>
+                        </a:spcAft>
+                      </a:pPr>
+                      <a:r>
+                        <a:rPr lang="zh-CN" sz="1900" kern="100" dirty="0">
+                          <a:effectLst/>
+                        </a:rPr>
+                        <a:t>程硕</a:t>
+                      </a:r>
+                      <a:endParaRPr lang="zh-CN" sz="1900" kern="100" dirty="0">
+                        <a:effectLst/>
+                        <a:latin typeface="等线" panose="02010600030101010101" pitchFamily="2" charset="-122"/>
+                        <a:ea typeface="等线" panose="02010600030101010101" pitchFamily="2" charset="-122"/>
+                        <a:cs typeface="Mangal"/>
+                      </a:endParaRPr>
+                    </a:p>
+                  </a:txBody>
+                  <a:tcPr marL="125197" marR="125197" marT="0" marB="0"/>
+                </a:tc>
+                <a:tc>
+                  <a:txBody>
+                    <a:bodyPr/>
+                    <a:lstStyle/>
+                    <a:p>
+                      <a:pPr algn="just">
+                        <a:spcAft>
+                          <a:spcPts val="0"/>
+                        </a:spcAft>
+                      </a:pPr>
+                      <a:r>
+                        <a:rPr lang="en-US" sz="1900" kern="100">
+                          <a:effectLst/>
+                        </a:rPr>
+                        <a:t>13307130235</a:t>
+                      </a:r>
+                      <a:endParaRPr lang="zh-CN" sz="1900" kern="100">
+                        <a:effectLst/>
+                        <a:latin typeface="等线" panose="02010600030101010101" pitchFamily="2" charset="-122"/>
+                        <a:ea typeface="等线" panose="02010600030101010101" pitchFamily="2" charset="-122"/>
+                        <a:cs typeface="Mangal"/>
+                      </a:endParaRPr>
+                    </a:p>
+                  </a:txBody>
+                  <a:tcPr marL="125197" marR="125197" marT="0" marB="0"/>
+                </a:tc>
+                <a:tc>
+                  <a:txBody>
+                    <a:bodyPr/>
+                    <a:lstStyle/>
+                    <a:p>
+                      <a:pPr algn="just">
+                        <a:spcAft>
+                          <a:spcPts val="0"/>
+                        </a:spcAft>
+                      </a:pPr>
+                      <a:r>
+                        <a:rPr lang="zh-CN" sz="1900" kern="100">
+                          <a:effectLst/>
+                        </a:rPr>
+                        <a:t>驾驶员</a:t>
+                      </a:r>
+                      <a:endParaRPr lang="zh-CN" sz="1900" kern="100">
+                        <a:effectLst/>
+                        <a:latin typeface="等线" panose="02010600030101010101" pitchFamily="2" charset="-122"/>
+                        <a:ea typeface="等线" panose="02010600030101010101" pitchFamily="2" charset="-122"/>
+                        <a:cs typeface="Mangal"/>
+                      </a:endParaRPr>
+                    </a:p>
+                  </a:txBody>
+                  <a:tcPr marL="125197" marR="125197" marT="0" marB="0"/>
+                </a:tc>
+                <a:extLst>
+                  <a:ext uri="{0D108BD9-81ED-4DB2-BD59-A6C34878D82A}">
+                    <a16:rowId xmlns:a16="http://schemas.microsoft.com/office/drawing/2014/main" val="3092263830"/>
+                  </a:ext>
+                </a:extLst>
+              </a:tr>
+              <a:tr h="292127">
+                <a:tc>
+                  <a:txBody>
+                    <a:bodyPr/>
+                    <a:lstStyle/>
+                    <a:p>
+                      <a:pPr algn="just">
+                        <a:spcAft>
+                          <a:spcPts val="0"/>
+                        </a:spcAft>
+                      </a:pPr>
+                      <a:r>
+                        <a:rPr lang="zh-CN" sz="1900" kern="100">
+                          <a:effectLst/>
+                        </a:rPr>
+                        <a:t>邓杰耀</a:t>
+                      </a:r>
+                      <a:endParaRPr lang="zh-CN" sz="1900" kern="100">
+                        <a:effectLst/>
+                        <a:latin typeface="等线" panose="02010600030101010101" pitchFamily="2" charset="-122"/>
+                        <a:ea typeface="等线" panose="02010600030101010101" pitchFamily="2" charset="-122"/>
+                        <a:cs typeface="Mangal"/>
+                      </a:endParaRPr>
+                    </a:p>
+                  </a:txBody>
+                  <a:tcPr marL="125197" marR="125197" marT="0" marB="0"/>
+                </a:tc>
+                <a:tc>
+                  <a:txBody>
+                    <a:bodyPr/>
+                    <a:lstStyle/>
+                    <a:p>
+                      <a:pPr algn="just">
+                        <a:spcAft>
+                          <a:spcPts val="0"/>
+                        </a:spcAft>
+                      </a:pPr>
+                      <a:r>
+                        <a:rPr lang="en-US" sz="1900" kern="100" dirty="0">
+                          <a:effectLst/>
+                        </a:rPr>
+                        <a:t>13307130306</a:t>
+                      </a:r>
+                      <a:endParaRPr lang="zh-CN" sz="1900" kern="100" dirty="0">
+                        <a:effectLst/>
+                        <a:latin typeface="等线" panose="02010600030101010101" pitchFamily="2" charset="-122"/>
+                        <a:ea typeface="等线" panose="02010600030101010101" pitchFamily="2" charset="-122"/>
+                        <a:cs typeface="Mangal"/>
+                      </a:endParaRPr>
+                    </a:p>
+                  </a:txBody>
+                  <a:tcPr marL="125197" marR="125197" marT="0" marB="0"/>
+                </a:tc>
+                <a:tc>
+                  <a:txBody>
+                    <a:bodyPr/>
+                    <a:lstStyle/>
+                    <a:p>
+                      <a:pPr algn="just">
+                        <a:spcAft>
+                          <a:spcPts val="0"/>
+                        </a:spcAft>
+                      </a:pPr>
+                      <a:r>
+                        <a:rPr lang="zh-CN" sz="1900" kern="100">
+                          <a:effectLst/>
+                        </a:rPr>
+                        <a:t>炮手</a:t>
+                      </a:r>
+                      <a:endParaRPr lang="zh-CN" sz="1900" kern="100">
+                        <a:effectLst/>
+                        <a:latin typeface="等线" panose="02010600030101010101" pitchFamily="2" charset="-122"/>
+                        <a:ea typeface="等线" panose="02010600030101010101" pitchFamily="2" charset="-122"/>
+                        <a:cs typeface="Mangal"/>
+                      </a:endParaRPr>
+                    </a:p>
+                  </a:txBody>
+                  <a:tcPr marL="125197" marR="125197" marT="0" marB="0"/>
+                </a:tc>
+                <a:extLst>
+                  <a:ext uri="{0D108BD9-81ED-4DB2-BD59-A6C34878D82A}">
+                    <a16:rowId xmlns:a16="http://schemas.microsoft.com/office/drawing/2014/main" val="1515834503"/>
+                  </a:ext>
+                </a:extLst>
+              </a:tr>
+              <a:tr h="292127">
+                <a:tc>
+                  <a:txBody>
+                    <a:bodyPr/>
+                    <a:lstStyle/>
+                    <a:p>
+                      <a:pPr algn="just">
+                        <a:spcAft>
+                          <a:spcPts val="0"/>
+                        </a:spcAft>
+                      </a:pPr>
+                      <a:r>
+                        <a:rPr lang="zh-CN" sz="1900" kern="100">
+                          <a:effectLst/>
+                        </a:rPr>
+                        <a:t>马志豪</a:t>
+                      </a:r>
+                      <a:endParaRPr lang="zh-CN" sz="1900" kern="100">
+                        <a:effectLst/>
+                        <a:latin typeface="等线" panose="02010600030101010101" pitchFamily="2" charset="-122"/>
+                        <a:ea typeface="等线" panose="02010600030101010101" pitchFamily="2" charset="-122"/>
+                        <a:cs typeface="Mangal"/>
+                      </a:endParaRPr>
+                    </a:p>
+                  </a:txBody>
+                  <a:tcPr marL="125197" marR="125197" marT="0" marB="0"/>
+                </a:tc>
+                <a:tc>
+                  <a:txBody>
+                    <a:bodyPr/>
+                    <a:lstStyle/>
+                    <a:p>
+                      <a:pPr algn="just">
+                        <a:spcAft>
+                          <a:spcPts val="0"/>
+                        </a:spcAft>
+                      </a:pPr>
+                      <a:r>
+                        <a:rPr lang="en-US" sz="1900" kern="100" dirty="0">
+                          <a:effectLst/>
+                        </a:rPr>
+                        <a:t>13307130141</a:t>
+                      </a:r>
+                      <a:endParaRPr lang="zh-CN" sz="1900" kern="100" dirty="0">
+                        <a:effectLst/>
+                        <a:latin typeface="等线" panose="02010600030101010101" pitchFamily="2" charset="-122"/>
+                        <a:ea typeface="等线" panose="02010600030101010101" pitchFamily="2" charset="-122"/>
+                        <a:cs typeface="Mangal"/>
+                      </a:endParaRPr>
+                    </a:p>
+                  </a:txBody>
+                  <a:tcPr marL="125197" marR="125197" marT="0" marB="0"/>
+                </a:tc>
+                <a:tc>
+                  <a:txBody>
+                    <a:bodyPr/>
+                    <a:lstStyle/>
+                    <a:p>
+                      <a:pPr algn="just">
+                        <a:spcAft>
+                          <a:spcPts val="0"/>
+                        </a:spcAft>
+                      </a:pPr>
+                      <a:r>
+                        <a:rPr lang="zh-CN" sz="1900" kern="100">
+                          <a:effectLst/>
+                        </a:rPr>
+                        <a:t>机枪手</a:t>
+                      </a:r>
+                      <a:endParaRPr lang="zh-CN" sz="1900" kern="100">
+                        <a:effectLst/>
+                        <a:latin typeface="等线" panose="02010600030101010101" pitchFamily="2" charset="-122"/>
+                        <a:ea typeface="等线" panose="02010600030101010101" pitchFamily="2" charset="-122"/>
+                        <a:cs typeface="Mangal"/>
+                      </a:endParaRPr>
+                    </a:p>
+                  </a:txBody>
+                  <a:tcPr marL="125197" marR="125197" marT="0" marB="0"/>
+                </a:tc>
+                <a:extLst>
+                  <a:ext uri="{0D108BD9-81ED-4DB2-BD59-A6C34878D82A}">
+                    <a16:rowId xmlns:a16="http://schemas.microsoft.com/office/drawing/2014/main" val="2001056862"/>
+                  </a:ext>
+                </a:extLst>
+              </a:tr>
+              <a:tr h="292127">
+                <a:tc>
+                  <a:txBody>
+                    <a:bodyPr/>
+                    <a:lstStyle/>
+                    <a:p>
+                      <a:pPr algn="just">
+                        <a:spcAft>
+                          <a:spcPts val="0"/>
+                        </a:spcAft>
+                      </a:pPr>
+                      <a:r>
+                        <a:rPr lang="zh-CN" sz="1900" kern="100">
+                          <a:effectLst/>
+                        </a:rPr>
+                        <a:t>王子晗</a:t>
+                      </a:r>
+                      <a:endParaRPr lang="zh-CN" sz="1900" kern="100">
+                        <a:effectLst/>
+                        <a:latin typeface="等线" panose="02010600030101010101" pitchFamily="2" charset="-122"/>
+                        <a:ea typeface="等线" panose="02010600030101010101" pitchFamily="2" charset="-122"/>
+                        <a:cs typeface="Mangal"/>
+                      </a:endParaRPr>
+                    </a:p>
+                  </a:txBody>
+                  <a:tcPr marL="125197" marR="125197" marT="0" marB="0"/>
+                </a:tc>
+                <a:tc>
+                  <a:txBody>
+                    <a:bodyPr/>
+                    <a:lstStyle/>
+                    <a:p>
+                      <a:pPr algn="just">
+                        <a:spcAft>
+                          <a:spcPts val="0"/>
+                        </a:spcAft>
+                      </a:pPr>
+                      <a:r>
+                        <a:rPr lang="en-US" sz="1900" kern="100" dirty="0">
+                          <a:effectLst/>
+                        </a:rPr>
+                        <a:t>13307130295</a:t>
+                      </a:r>
+                      <a:endParaRPr lang="zh-CN" sz="1900" kern="100" dirty="0">
+                        <a:effectLst/>
+                        <a:latin typeface="等线" panose="02010600030101010101" pitchFamily="2" charset="-122"/>
+                        <a:ea typeface="等线" panose="02010600030101010101" pitchFamily="2" charset="-122"/>
+                        <a:cs typeface="Mangal"/>
+                      </a:endParaRPr>
+                    </a:p>
+                  </a:txBody>
+                  <a:tcPr marL="125197" marR="125197" marT="0" marB="0"/>
+                </a:tc>
+                <a:tc>
+                  <a:txBody>
+                    <a:bodyPr/>
+                    <a:lstStyle/>
+                    <a:p>
+                      <a:pPr algn="just">
+                        <a:spcAft>
+                          <a:spcPts val="0"/>
+                        </a:spcAft>
+                      </a:pPr>
+                      <a:r>
+                        <a:rPr lang="zh-CN" sz="1900" kern="100">
+                          <a:effectLst/>
+                        </a:rPr>
+                        <a:t>装填手</a:t>
+                      </a:r>
+                      <a:endParaRPr lang="zh-CN" sz="1900" kern="100">
+                        <a:effectLst/>
+                        <a:latin typeface="等线" panose="02010600030101010101" pitchFamily="2" charset="-122"/>
+                        <a:ea typeface="等线" panose="02010600030101010101" pitchFamily="2" charset="-122"/>
+                        <a:cs typeface="Mangal"/>
+                      </a:endParaRPr>
+                    </a:p>
+                  </a:txBody>
+                  <a:tcPr marL="125197" marR="125197" marT="0" marB="0"/>
+                </a:tc>
+                <a:extLst>
+                  <a:ext uri="{0D108BD9-81ED-4DB2-BD59-A6C34878D82A}">
+                    <a16:rowId xmlns:a16="http://schemas.microsoft.com/office/drawing/2014/main" val="1016138692"/>
+                  </a:ext>
+                </a:extLst>
+              </a:tr>
+              <a:tr h="292127">
+                <a:tc>
+                  <a:txBody>
+                    <a:bodyPr/>
+                    <a:lstStyle/>
+                    <a:p>
+                      <a:pPr algn="just">
+                        <a:spcAft>
+                          <a:spcPts val="0"/>
+                        </a:spcAft>
+                      </a:pPr>
+                      <a:r>
+                        <a:rPr lang="zh-CN" sz="1900" kern="100">
+                          <a:effectLst/>
+                        </a:rPr>
+                        <a:t>张子寒</a:t>
+                      </a:r>
+                      <a:endParaRPr lang="zh-CN" sz="1900" kern="100">
+                        <a:effectLst/>
+                        <a:latin typeface="等线" panose="02010600030101010101" pitchFamily="2" charset="-122"/>
+                        <a:ea typeface="等线" panose="02010600030101010101" pitchFamily="2" charset="-122"/>
+                        <a:cs typeface="Mangal"/>
+                      </a:endParaRPr>
+                    </a:p>
+                  </a:txBody>
+                  <a:tcPr marL="125197" marR="125197" marT="0" marB="0"/>
+                </a:tc>
+                <a:tc>
+                  <a:txBody>
+                    <a:bodyPr/>
+                    <a:lstStyle/>
+                    <a:p>
+                      <a:pPr algn="just">
+                        <a:spcAft>
+                          <a:spcPts val="0"/>
+                        </a:spcAft>
+                      </a:pPr>
+                      <a:r>
+                        <a:rPr lang="en-US" sz="1900" kern="100" dirty="0">
+                          <a:effectLst/>
+                        </a:rPr>
+                        <a:t>13307130187</a:t>
+                      </a:r>
+                      <a:endParaRPr lang="zh-CN" sz="1900" kern="100" dirty="0">
+                        <a:effectLst/>
+                        <a:latin typeface="等线" panose="02010600030101010101" pitchFamily="2" charset="-122"/>
+                        <a:ea typeface="等线" panose="02010600030101010101" pitchFamily="2" charset="-122"/>
+                        <a:cs typeface="Mangal"/>
+                      </a:endParaRPr>
+                    </a:p>
+                  </a:txBody>
+                  <a:tcPr marL="125197" marR="125197" marT="0" marB="0"/>
+                </a:tc>
+                <a:tc>
+                  <a:txBody>
+                    <a:bodyPr/>
+                    <a:lstStyle/>
+                    <a:p>
+                      <a:pPr algn="just">
+                        <a:spcAft>
+                          <a:spcPts val="0"/>
+                        </a:spcAft>
+                      </a:pPr>
+                      <a:r>
+                        <a:rPr lang="zh-CN" sz="1900" kern="100" dirty="0">
+                          <a:effectLst/>
+                        </a:rPr>
+                        <a:t>观察员</a:t>
+                      </a:r>
+                      <a:endParaRPr lang="zh-CN" sz="1900" kern="100" dirty="0">
+                        <a:effectLst/>
+                        <a:latin typeface="等线" panose="02010600030101010101" pitchFamily="2" charset="-122"/>
+                        <a:ea typeface="等线" panose="02010600030101010101" pitchFamily="2" charset="-122"/>
+                        <a:cs typeface="Mangal"/>
+                      </a:endParaRPr>
+                    </a:p>
+                  </a:txBody>
+                  <a:tcPr marL="125197" marR="125197" marT="0" marB="0"/>
+                </a:tc>
+                <a:extLst>
+                  <a:ext uri="{0D108BD9-81ED-4DB2-BD59-A6C34878D82A}">
+                    <a16:rowId xmlns:a16="http://schemas.microsoft.com/office/drawing/2014/main" val="1677220880"/>
+                  </a:ext>
+                </a:extLst>
+              </a:tr>
+              <a:tr h="292127">
+                <a:tc>
+                  <a:txBody>
+                    <a:bodyPr/>
+                    <a:lstStyle/>
+                    <a:p>
+                      <a:pPr algn="just">
+                        <a:spcAft>
+                          <a:spcPts val="0"/>
+                        </a:spcAft>
+                      </a:pPr>
+                      <a:r>
+                        <a:rPr lang="zh-CN" sz="1900" kern="100">
+                          <a:effectLst/>
+                        </a:rPr>
+                        <a:t>玄远</a:t>
+                      </a:r>
+                      <a:endParaRPr lang="zh-CN" sz="1900" kern="100">
+                        <a:effectLst/>
+                        <a:latin typeface="等线" panose="02010600030101010101" pitchFamily="2" charset="-122"/>
+                        <a:ea typeface="等线" panose="02010600030101010101" pitchFamily="2" charset="-122"/>
+                        <a:cs typeface="Mangal"/>
+                      </a:endParaRPr>
+                    </a:p>
+                  </a:txBody>
+                  <a:tcPr marL="125197" marR="125197" marT="0" marB="0"/>
+                </a:tc>
+                <a:tc>
+                  <a:txBody>
+                    <a:bodyPr/>
+                    <a:lstStyle/>
+                    <a:p>
+                      <a:pPr algn="just">
+                        <a:spcAft>
+                          <a:spcPts val="0"/>
+                        </a:spcAft>
+                      </a:pPr>
+                      <a:r>
+                        <a:rPr lang="en-US" sz="1900" kern="100">
+                          <a:effectLst/>
+                        </a:rPr>
+                        <a:t>12307130066</a:t>
+                      </a:r>
+                      <a:endParaRPr lang="zh-CN" sz="1900" kern="100">
+                        <a:effectLst/>
+                        <a:latin typeface="等线" panose="02010600030101010101" pitchFamily="2" charset="-122"/>
+                        <a:ea typeface="等线" panose="02010600030101010101" pitchFamily="2" charset="-122"/>
+                        <a:cs typeface="Mangal"/>
+                      </a:endParaRPr>
+                    </a:p>
+                  </a:txBody>
+                  <a:tcPr marL="125197" marR="125197" marT="0" marB="0"/>
+                </a:tc>
+                <a:tc>
+                  <a:txBody>
+                    <a:bodyPr/>
+                    <a:lstStyle/>
+                    <a:p>
+                      <a:pPr algn="just">
+                        <a:spcAft>
+                          <a:spcPts val="0"/>
+                        </a:spcAft>
+                      </a:pPr>
+                      <a:r>
+                        <a:rPr lang="zh-CN" sz="1900" kern="100" dirty="0">
+                          <a:effectLst/>
+                        </a:rPr>
+                        <a:t>战地维修员</a:t>
+                      </a:r>
+                      <a:endParaRPr lang="zh-CN" sz="1900" kern="100" dirty="0">
+                        <a:effectLst/>
+                        <a:latin typeface="等线" panose="02010600030101010101" pitchFamily="2" charset="-122"/>
+                        <a:ea typeface="等线" panose="02010600030101010101" pitchFamily="2" charset="-122"/>
+                        <a:cs typeface="Mangal"/>
+                      </a:endParaRPr>
+                    </a:p>
+                  </a:txBody>
+                  <a:tcPr marL="125197" marR="125197" marT="0" marB="0"/>
+                </a:tc>
+                <a:extLst>
+                  <a:ext uri="{0D108BD9-81ED-4DB2-BD59-A6C34878D82A}">
+                    <a16:rowId xmlns:a16="http://schemas.microsoft.com/office/drawing/2014/main" val="4038126391"/>
+                  </a:ext>
+                </a:extLst>
+              </a:tr>
+            </a:tbl>
+          </a:graphicData>
+        </a:graphic>
+      </p:graphicFrame>
+    </p:spTree>
+    <p:extLst>
+      <p:ext uri="{BB962C8B-B14F-4D97-AF65-F5344CB8AC3E}">
+        <p14:creationId xmlns:p14="http://schemas.microsoft.com/office/powerpoint/2010/main" val="3882970232"/>
+      </p:ext>
+    </p:extLst>
+  </p:cSld>
+  <p:clrMapOvr>
+    <a:masterClrMapping/>
+  </p:clrMapOvr>
 </p:sld>
 </file>
 
